--- a/files/애니메이션 2.pptx
+++ b/files/애니메이션 2.pptx
@@ -5,7 +5,7 @@
     <p:sldMasterId id="2147483648" r:id="rId1"/>
   </p:sldMasterIdLst>
   <p:sldIdLst>
-    <p:sldId id="282" r:id="rId2"/>
+    <p:sldId id="283" r:id="rId2"/>
   </p:sldIdLst>
   <p:sldSz cx="12192000" cy="6858000"/>
   <p:notesSz cx="6858000" cy="9144000"/>
@@ -104,6 +104,11 @@
       </a:defRPr>
     </a:lvl9pPr>
   </p:defaultTextStyle>
+  <p:extLst>
+    <p:ext uri="{EFAFB233-063F-42B5-8137-9DF3F51BA10A}">
+      <p15:sldGuideLst xmlns:p15="http://schemas.microsoft.com/office/powerpoint/2012/main"/>
+    </p:ext>
+  </p:extLst>
 </p:presentation>
 </file>
 
@@ -254,7 +259,7 @@
           <a:p>
             <a:fld id="{038B04D8-4232-4AA7-9413-5A6FAC821B84}" type="datetimeFigureOut">
               <a:rPr lang="ko-KR" altLang="en-US" smtClean="0"/>
-              <a:t>2019-09-01</a:t>
+              <a:t>2019-09-06</a:t>
             </a:fld>
             <a:endParaRPr lang="ko-KR" altLang="en-US"/>
           </a:p>
@@ -452,7 +457,7 @@
           <a:p>
             <a:fld id="{038B04D8-4232-4AA7-9413-5A6FAC821B84}" type="datetimeFigureOut">
               <a:rPr lang="ko-KR" altLang="en-US" smtClean="0"/>
-              <a:t>2019-09-01</a:t>
+              <a:t>2019-09-06</a:t>
             </a:fld>
             <a:endParaRPr lang="ko-KR" altLang="en-US"/>
           </a:p>
@@ -660,7 +665,7 @@
           <a:p>
             <a:fld id="{038B04D8-4232-4AA7-9413-5A6FAC821B84}" type="datetimeFigureOut">
               <a:rPr lang="ko-KR" altLang="en-US" smtClean="0"/>
-              <a:t>2019-09-01</a:t>
+              <a:t>2019-09-06</a:t>
             </a:fld>
             <a:endParaRPr lang="ko-KR" altLang="en-US"/>
           </a:p>
@@ -858,7 +863,7 @@
           <a:p>
             <a:fld id="{038B04D8-4232-4AA7-9413-5A6FAC821B84}" type="datetimeFigureOut">
               <a:rPr lang="ko-KR" altLang="en-US" smtClean="0"/>
-              <a:t>2019-09-01</a:t>
+              <a:t>2019-09-06</a:t>
             </a:fld>
             <a:endParaRPr lang="ko-KR" altLang="en-US"/>
           </a:p>
@@ -1133,7 +1138,7 @@
           <a:p>
             <a:fld id="{038B04D8-4232-4AA7-9413-5A6FAC821B84}" type="datetimeFigureOut">
               <a:rPr lang="ko-KR" altLang="en-US" smtClean="0"/>
-              <a:t>2019-09-01</a:t>
+              <a:t>2019-09-06</a:t>
             </a:fld>
             <a:endParaRPr lang="ko-KR" altLang="en-US"/>
           </a:p>
@@ -1398,7 +1403,7 @@
           <a:p>
             <a:fld id="{038B04D8-4232-4AA7-9413-5A6FAC821B84}" type="datetimeFigureOut">
               <a:rPr lang="ko-KR" altLang="en-US" smtClean="0"/>
-              <a:t>2019-09-01</a:t>
+              <a:t>2019-09-06</a:t>
             </a:fld>
             <a:endParaRPr lang="ko-KR" altLang="en-US"/>
           </a:p>
@@ -1810,7 +1815,7 @@
           <a:p>
             <a:fld id="{038B04D8-4232-4AA7-9413-5A6FAC821B84}" type="datetimeFigureOut">
               <a:rPr lang="ko-KR" altLang="en-US" smtClean="0"/>
-              <a:t>2019-09-01</a:t>
+              <a:t>2019-09-06</a:t>
             </a:fld>
             <a:endParaRPr lang="ko-KR" altLang="en-US"/>
           </a:p>
@@ -1951,7 +1956,7 @@
           <a:p>
             <a:fld id="{038B04D8-4232-4AA7-9413-5A6FAC821B84}" type="datetimeFigureOut">
               <a:rPr lang="ko-KR" altLang="en-US" smtClean="0"/>
-              <a:t>2019-09-01</a:t>
+              <a:t>2019-09-06</a:t>
             </a:fld>
             <a:endParaRPr lang="ko-KR" altLang="en-US"/>
           </a:p>
@@ -2064,7 +2069,7 @@
           <a:p>
             <a:fld id="{038B04D8-4232-4AA7-9413-5A6FAC821B84}" type="datetimeFigureOut">
               <a:rPr lang="ko-KR" altLang="en-US" smtClean="0"/>
-              <a:t>2019-09-01</a:t>
+              <a:t>2019-09-06</a:t>
             </a:fld>
             <a:endParaRPr lang="ko-KR" altLang="en-US"/>
           </a:p>
@@ -2375,7 +2380,7 @@
           <a:p>
             <a:fld id="{038B04D8-4232-4AA7-9413-5A6FAC821B84}" type="datetimeFigureOut">
               <a:rPr lang="ko-KR" altLang="en-US" smtClean="0"/>
-              <a:t>2019-09-01</a:t>
+              <a:t>2019-09-06</a:t>
             </a:fld>
             <a:endParaRPr lang="ko-KR" altLang="en-US"/>
           </a:p>
@@ -2663,7 +2668,7 @@
           <a:p>
             <a:fld id="{038B04D8-4232-4AA7-9413-5A6FAC821B84}" type="datetimeFigureOut">
               <a:rPr lang="ko-KR" altLang="en-US" smtClean="0"/>
-              <a:t>2019-09-01</a:t>
+              <a:t>2019-09-06</a:t>
             </a:fld>
             <a:endParaRPr lang="ko-KR" altLang="en-US"/>
           </a:p>
@@ -2904,7 +2909,7 @@
           <a:p>
             <a:fld id="{038B04D8-4232-4AA7-9413-5A6FAC821B84}" type="datetimeFigureOut">
               <a:rPr lang="ko-KR" altLang="en-US" smtClean="0"/>
-              <a:t>2019-09-01</a:t>
+              <a:t>2019-09-06</a:t>
             </a:fld>
             <a:endParaRPr lang="ko-KR" altLang="en-US"/>
           </a:p>
@@ -4006,7 +4011,7 @@
     </p:spTree>
     <p:extLst>
       <p:ext uri="{BB962C8B-B14F-4D97-AF65-F5344CB8AC3E}">
-        <p14:creationId xmlns:p14="http://schemas.microsoft.com/office/powerpoint/2010/main" val="2970232434"/>
+        <p14:creationId xmlns:p14="http://schemas.microsoft.com/office/powerpoint/2010/main" val="1645314140"/>
       </p:ext>
     </p:extLst>
   </p:cSld>
